--- a/womenInSTEM_project_slides.pptx
+++ b/womenInSTEM_project_slides.pptx
@@ -2059,8 +2059,8 @@
         </a:p>
       </dgm:t>
     </dgm:pt>
-    <mc:AlternateContent xmlns:mc="http://schemas.openxmlformats.org/markup-compatibility/2006">
-      <mc:Choice xmlns:a14="http://schemas.microsoft.com/office/drawing/2010/main" Requires="a14">
+    <mc:AlternateContent xmlns:mc="http://schemas.openxmlformats.org/markup-compatibility/2006" xmlns:a14="http://schemas.microsoft.com/office/drawing/2010/main">
+      <mc:Choice Requires="a14">
         <dgm:pt modelId="{D735D768-D29C-964B-BFD8-7EB3F824FD3F}">
           <dgm:prSet/>
           <dgm:spPr/>
@@ -2078,7 +2078,7 @@
                     <m:sSupPr>
                       <m:ctrlPr>
                         <a:rPr lang="en-US" b="1" i="1" smtClean="0">
-                          <a:latin typeface="Cambria Math" panose="02040503050406030204" pitchFamily="18" charset="0"/>
+                          <a:latin typeface="Cambria Math" charset="0"/>
                           <a:ea typeface="Cambria Math" charset="0"/>
                           <a:cs typeface="Cambria Math" charset="0"/>
                         </a:rPr>
@@ -2122,7 +2122,7 @@
           </dgm:t>
         </dgm:pt>
       </mc:Choice>
-      <mc:Fallback>
+      <mc:Fallback xmlns="">
         <dgm:pt modelId="{D735D768-D29C-964B-BFD8-7EB3F824FD3F}">
           <dgm:prSet/>
           <dgm:spPr/>
@@ -2312,6 +2312,13 @@
         </dgm:presLayoutVars>
       </dgm:prSet>
       <dgm:spPr/>
+      <dgm:t>
+        <a:bodyPr/>
+        <a:lstStyle/>
+        <a:p>
+          <a:endParaRPr lang="en-US"/>
+        </a:p>
+      </dgm:t>
     </dgm:pt>
     <dgm:pt modelId="{5AF6E921-B27B-AD46-BAF4-57FF3C7B6F6F}" type="pres">
       <dgm:prSet presAssocID="{C61FD49E-4016-B540-890A-B9DD3C4CAEFC}" presName="node" presStyleLbl="node1" presStyleIdx="0" presStyleCnt="6">
@@ -2320,14 +2327,35 @@
         </dgm:presLayoutVars>
       </dgm:prSet>
       <dgm:spPr/>
+      <dgm:t>
+        <a:bodyPr/>
+        <a:lstStyle/>
+        <a:p>
+          <a:endParaRPr lang="en-US"/>
+        </a:p>
+      </dgm:t>
     </dgm:pt>
     <dgm:pt modelId="{00D0904F-F387-3645-97F8-595C14055D1D}" type="pres">
       <dgm:prSet presAssocID="{2CC926CB-D1CC-4A4D-8E4C-9319F5E1944C}" presName="sibTrans" presStyleLbl="sibTrans2D1" presStyleIdx="0" presStyleCnt="5"/>
       <dgm:spPr/>
+      <dgm:t>
+        <a:bodyPr/>
+        <a:lstStyle/>
+        <a:p>
+          <a:endParaRPr lang="en-US"/>
+        </a:p>
+      </dgm:t>
     </dgm:pt>
     <dgm:pt modelId="{D798B5E6-7301-A74F-BAFA-138AFB665563}" type="pres">
       <dgm:prSet presAssocID="{2CC926CB-D1CC-4A4D-8E4C-9319F5E1944C}" presName="connectorText" presStyleLbl="sibTrans2D1" presStyleIdx="0" presStyleCnt="5"/>
       <dgm:spPr/>
+      <dgm:t>
+        <a:bodyPr/>
+        <a:lstStyle/>
+        <a:p>
+          <a:endParaRPr lang="en-US"/>
+        </a:p>
+      </dgm:t>
     </dgm:pt>
     <dgm:pt modelId="{55E31240-2723-FA44-BC34-9330C946D4B4}" type="pres">
       <dgm:prSet presAssocID="{D735D768-D29C-964B-BFD8-7EB3F824FD3F}" presName="node" presStyleLbl="node1" presStyleIdx="1" presStyleCnt="6">
@@ -2336,14 +2364,35 @@
         </dgm:presLayoutVars>
       </dgm:prSet>
       <dgm:spPr/>
+      <dgm:t>
+        <a:bodyPr/>
+        <a:lstStyle/>
+        <a:p>
+          <a:endParaRPr lang="en-US"/>
+        </a:p>
+      </dgm:t>
     </dgm:pt>
     <dgm:pt modelId="{A3E80121-5B2B-4042-88D9-21EBE3A87682}" type="pres">
       <dgm:prSet presAssocID="{58C1B60A-0535-D743-BD7B-9FB8FA19DE32}" presName="sibTrans" presStyleLbl="sibTrans2D1" presStyleIdx="1" presStyleCnt="5"/>
       <dgm:spPr/>
+      <dgm:t>
+        <a:bodyPr/>
+        <a:lstStyle/>
+        <a:p>
+          <a:endParaRPr lang="en-US"/>
+        </a:p>
+      </dgm:t>
     </dgm:pt>
     <dgm:pt modelId="{3ACB1B5F-3396-A440-B7B5-671662B035D0}" type="pres">
       <dgm:prSet presAssocID="{58C1B60A-0535-D743-BD7B-9FB8FA19DE32}" presName="connectorText" presStyleLbl="sibTrans2D1" presStyleIdx="1" presStyleCnt="5"/>
       <dgm:spPr/>
+      <dgm:t>
+        <a:bodyPr/>
+        <a:lstStyle/>
+        <a:p>
+          <a:endParaRPr lang="en-US"/>
+        </a:p>
+      </dgm:t>
     </dgm:pt>
     <dgm:pt modelId="{FCBCDB67-5FA6-E24C-871C-2651823E918B}" type="pres">
       <dgm:prSet presAssocID="{961F7DB5-9242-3442-A3D9-ED85AC26E626}" presName="node" presStyleLbl="node1" presStyleIdx="2" presStyleCnt="6">
@@ -2352,14 +2401,35 @@
         </dgm:presLayoutVars>
       </dgm:prSet>
       <dgm:spPr/>
+      <dgm:t>
+        <a:bodyPr/>
+        <a:lstStyle/>
+        <a:p>
+          <a:endParaRPr lang="en-US"/>
+        </a:p>
+      </dgm:t>
     </dgm:pt>
     <dgm:pt modelId="{48300AEE-3656-954D-ADEA-B099BA3F476E}" type="pres">
       <dgm:prSet presAssocID="{4B5F23E5-CE8D-2440-A966-79104F941168}" presName="sibTrans" presStyleLbl="sibTrans2D1" presStyleIdx="2" presStyleCnt="5"/>
       <dgm:spPr/>
+      <dgm:t>
+        <a:bodyPr/>
+        <a:lstStyle/>
+        <a:p>
+          <a:endParaRPr lang="en-US"/>
+        </a:p>
+      </dgm:t>
     </dgm:pt>
     <dgm:pt modelId="{CE66C1F3-045D-834D-B802-5CE1B81D7553}" type="pres">
       <dgm:prSet presAssocID="{4B5F23E5-CE8D-2440-A966-79104F941168}" presName="connectorText" presStyleLbl="sibTrans2D1" presStyleIdx="2" presStyleCnt="5"/>
       <dgm:spPr/>
+      <dgm:t>
+        <a:bodyPr/>
+        <a:lstStyle/>
+        <a:p>
+          <a:endParaRPr lang="en-US"/>
+        </a:p>
+      </dgm:t>
     </dgm:pt>
     <dgm:pt modelId="{C3A95163-87AA-FE47-BDAF-07209D0F8629}" type="pres">
       <dgm:prSet presAssocID="{DEC5D76B-3363-824F-81C9-0FF8EB264524}" presName="node" presStyleLbl="node1" presStyleIdx="3" presStyleCnt="6">
@@ -2368,14 +2438,35 @@
         </dgm:presLayoutVars>
       </dgm:prSet>
       <dgm:spPr/>
+      <dgm:t>
+        <a:bodyPr/>
+        <a:lstStyle/>
+        <a:p>
+          <a:endParaRPr lang="en-US"/>
+        </a:p>
+      </dgm:t>
     </dgm:pt>
     <dgm:pt modelId="{8813CF35-5557-B34F-A3FE-5BC999129080}" type="pres">
       <dgm:prSet presAssocID="{9E5BBEAA-C457-7B40-A008-5EF9EE0CFB31}" presName="sibTrans" presStyleLbl="sibTrans2D1" presStyleIdx="3" presStyleCnt="5"/>
       <dgm:spPr/>
+      <dgm:t>
+        <a:bodyPr/>
+        <a:lstStyle/>
+        <a:p>
+          <a:endParaRPr lang="en-US"/>
+        </a:p>
+      </dgm:t>
     </dgm:pt>
     <dgm:pt modelId="{E4F88C7D-98C0-2043-89DB-1F00B8B6E6B3}" type="pres">
       <dgm:prSet presAssocID="{9E5BBEAA-C457-7B40-A008-5EF9EE0CFB31}" presName="connectorText" presStyleLbl="sibTrans2D1" presStyleIdx="3" presStyleCnt="5"/>
       <dgm:spPr/>
+      <dgm:t>
+        <a:bodyPr/>
+        <a:lstStyle/>
+        <a:p>
+          <a:endParaRPr lang="en-US"/>
+        </a:p>
+      </dgm:t>
     </dgm:pt>
     <dgm:pt modelId="{4C0D1463-3207-3941-A057-5F4869F0811B}" type="pres">
       <dgm:prSet presAssocID="{DA263650-79F9-6544-A752-0CF99A2B4257}" presName="node" presStyleLbl="node1" presStyleIdx="4" presStyleCnt="6">
@@ -2384,14 +2475,35 @@
         </dgm:presLayoutVars>
       </dgm:prSet>
       <dgm:spPr/>
+      <dgm:t>
+        <a:bodyPr/>
+        <a:lstStyle/>
+        <a:p>
+          <a:endParaRPr lang="en-US"/>
+        </a:p>
+      </dgm:t>
     </dgm:pt>
     <dgm:pt modelId="{82A1B593-AA07-FD4C-9D40-90D916572E24}" type="pres">
       <dgm:prSet presAssocID="{194CA865-2496-724E-963B-B03058E57857}" presName="sibTrans" presStyleLbl="sibTrans2D1" presStyleIdx="4" presStyleCnt="5"/>
       <dgm:spPr/>
+      <dgm:t>
+        <a:bodyPr/>
+        <a:lstStyle/>
+        <a:p>
+          <a:endParaRPr lang="en-US"/>
+        </a:p>
+      </dgm:t>
     </dgm:pt>
     <dgm:pt modelId="{B6BFFA8D-ADB7-7044-A704-A26098D64610}" type="pres">
       <dgm:prSet presAssocID="{194CA865-2496-724E-963B-B03058E57857}" presName="connectorText" presStyleLbl="sibTrans2D1" presStyleIdx="4" presStyleCnt="5"/>
       <dgm:spPr/>
+      <dgm:t>
+        <a:bodyPr/>
+        <a:lstStyle/>
+        <a:p>
+          <a:endParaRPr lang="en-US"/>
+        </a:p>
+      </dgm:t>
     </dgm:pt>
     <dgm:pt modelId="{8D56218D-E590-5345-AC3E-27D720AD3BFA}" type="pres">
       <dgm:prSet presAssocID="{B04A7DC2-3CA3-A244-AB51-53F302ABDFB1}" presName="node" presStyleLbl="node1" presStyleIdx="5" presStyleCnt="6">
@@ -2400,32 +2512,39 @@
         </dgm:presLayoutVars>
       </dgm:prSet>
       <dgm:spPr/>
+      <dgm:t>
+        <a:bodyPr/>
+        <a:lstStyle/>
+        <a:p>
+          <a:endParaRPr lang="en-US"/>
+        </a:p>
+      </dgm:t>
     </dgm:pt>
   </dgm:ptLst>
   <dgm:cxnLst>
+    <dgm:cxn modelId="{3A12E236-8D6B-8845-A58B-7A440676BCD4}" srcId="{10FFF7CE-2BCF-C148-949B-0FAF0DAD97AA}" destId="{D735D768-D29C-964B-BFD8-7EB3F824FD3F}" srcOrd="1" destOrd="0" parTransId="{309397BE-D476-D644-AA3D-214C3A4FE062}" sibTransId="{58C1B60A-0535-D743-BD7B-9FB8FA19DE32}"/>
     <dgm:cxn modelId="{2EE23222-6728-DD48-BB89-C5D1A310BC86}" type="presOf" srcId="{9E5BBEAA-C457-7B40-A008-5EF9EE0CFB31}" destId="{E4F88C7D-98C0-2043-89DB-1F00B8B6E6B3}" srcOrd="1" destOrd="0" presId="urn:microsoft.com/office/officeart/2005/8/layout/process5"/>
+    <dgm:cxn modelId="{E70D7485-93FE-374D-9E8D-25EDA904F079}" srcId="{10FFF7CE-2BCF-C148-949B-0FAF0DAD97AA}" destId="{961F7DB5-9242-3442-A3D9-ED85AC26E626}" srcOrd="2" destOrd="0" parTransId="{2CFE1E88-7051-6F40-9AEB-6CD080174FCF}" sibTransId="{4B5F23E5-CE8D-2440-A966-79104F941168}"/>
+    <dgm:cxn modelId="{687331FD-6D27-7540-9CD0-361B400DFC67}" type="presOf" srcId="{194CA865-2496-724E-963B-B03058E57857}" destId="{B6BFFA8D-ADB7-7044-A704-A26098D64610}" srcOrd="1" destOrd="0" presId="urn:microsoft.com/office/officeart/2005/8/layout/process5"/>
+    <dgm:cxn modelId="{34784BE6-12BA-7C4E-B001-801B50EC59ED}" type="presOf" srcId="{58C1B60A-0535-D743-BD7B-9FB8FA19DE32}" destId="{3ACB1B5F-3396-A440-B7B5-671662B035D0}" srcOrd="1" destOrd="0" presId="urn:microsoft.com/office/officeart/2005/8/layout/process5"/>
+    <dgm:cxn modelId="{258A526D-2B99-A24F-9E50-3CD1E94E021B}" srcId="{10FFF7CE-2BCF-C148-949B-0FAF0DAD97AA}" destId="{DA263650-79F9-6544-A752-0CF99A2B4257}" srcOrd="4" destOrd="0" parTransId="{5D93D232-02C2-6F4F-9E93-A91EE2BD0E69}" sibTransId="{194CA865-2496-724E-963B-B03058E57857}"/>
+    <dgm:cxn modelId="{74E1B0B5-E64E-4849-A47F-5F494F178AF1}" type="presOf" srcId="{961F7DB5-9242-3442-A3D9-ED85AC26E626}" destId="{FCBCDB67-5FA6-E24C-871C-2651823E918B}" srcOrd="0" destOrd="0" presId="urn:microsoft.com/office/officeart/2005/8/layout/process5"/>
+    <dgm:cxn modelId="{F9659DA5-E18E-E140-ADD9-1B910670FF1C}" type="presOf" srcId="{B04A7DC2-3CA3-A244-AB51-53F302ABDFB1}" destId="{8D56218D-E590-5345-AC3E-27D720AD3BFA}" srcOrd="0" destOrd="0" presId="urn:microsoft.com/office/officeart/2005/8/layout/process5"/>
+    <dgm:cxn modelId="{E47271CA-CBBA-0C4A-9BC8-3B73BC21E801}" type="presOf" srcId="{58C1B60A-0535-D743-BD7B-9FB8FA19DE32}" destId="{A3E80121-5B2B-4042-88D9-21EBE3A87682}" srcOrd="0" destOrd="0" presId="urn:microsoft.com/office/officeart/2005/8/layout/process5"/>
+    <dgm:cxn modelId="{06A56380-2B89-D740-A803-A23985CEA75A}" srcId="{10FFF7CE-2BCF-C148-949B-0FAF0DAD97AA}" destId="{C61FD49E-4016-B540-890A-B9DD3C4CAEFC}" srcOrd="0" destOrd="0" parTransId="{F42F14E0-A406-884A-9B92-F2FE477E8461}" sibTransId="{2CC926CB-D1CC-4A4D-8E4C-9319F5E1944C}"/>
     <dgm:cxn modelId="{6511AF2B-B790-FE41-A6F6-674035E525B8}" type="presOf" srcId="{2CC926CB-D1CC-4A4D-8E4C-9319F5E1944C}" destId="{D798B5E6-7301-A74F-BAFA-138AFB665563}" srcOrd="1" destOrd="0" presId="urn:microsoft.com/office/officeart/2005/8/layout/process5"/>
+    <dgm:cxn modelId="{2700903A-ECBD-CC4E-B8DE-77B0B96E958F}" type="presOf" srcId="{D735D768-D29C-964B-BFD8-7EB3F824FD3F}" destId="{55E31240-2723-FA44-BC34-9330C946D4B4}" srcOrd="0" destOrd="0" presId="urn:microsoft.com/office/officeart/2005/8/layout/process5"/>
+    <dgm:cxn modelId="{1AB5D8EF-22F9-AE43-B124-08565CC2F3AB}" type="presOf" srcId="{9E5BBEAA-C457-7B40-A008-5EF9EE0CFB31}" destId="{8813CF35-5557-B34F-A3FE-5BC999129080}" srcOrd="0" destOrd="0" presId="urn:microsoft.com/office/officeart/2005/8/layout/process5"/>
+    <dgm:cxn modelId="{A09318B9-9442-2B4F-84E9-22EA503582BE}" type="presOf" srcId="{DA263650-79F9-6544-A752-0CF99A2B4257}" destId="{4C0D1463-3207-3941-A057-5F4869F0811B}" srcOrd="0" destOrd="0" presId="urn:microsoft.com/office/officeart/2005/8/layout/process5"/>
+    <dgm:cxn modelId="{2541FF8E-21F5-B748-9181-D6734558AB0D}" type="presOf" srcId="{4B5F23E5-CE8D-2440-A966-79104F941168}" destId="{CE66C1F3-045D-834D-B802-5CE1B81D7553}" srcOrd="1" destOrd="0" presId="urn:microsoft.com/office/officeart/2005/8/layout/process5"/>
+    <dgm:cxn modelId="{D84D95AD-A7D1-9C48-904D-24B714D584AE}" srcId="{10FFF7CE-2BCF-C148-949B-0FAF0DAD97AA}" destId="{B04A7DC2-3CA3-A244-AB51-53F302ABDFB1}" srcOrd="5" destOrd="0" parTransId="{24F98766-9BB8-4646-A023-81BC4A319975}" sibTransId="{8B4C928B-E485-6C4C-AE16-ED7AE3C042F4}"/>
+    <dgm:cxn modelId="{A63A3DC2-DA10-794E-88AA-097E7C40E468}" srcId="{10FFF7CE-2BCF-C148-949B-0FAF0DAD97AA}" destId="{DEC5D76B-3363-824F-81C9-0FF8EB264524}" srcOrd="3" destOrd="0" parTransId="{B5F75FEC-7CFA-6E4E-8A34-3CDF46B608D8}" sibTransId="{9E5BBEAA-C457-7B40-A008-5EF9EE0CFB31}"/>
+    <dgm:cxn modelId="{37CF1B5C-0AF7-E84C-BF6B-8DB63456464B}" type="presOf" srcId="{4B5F23E5-CE8D-2440-A966-79104F941168}" destId="{48300AEE-3656-954D-ADEA-B099BA3F476E}" srcOrd="0" destOrd="0" presId="urn:microsoft.com/office/officeart/2005/8/layout/process5"/>
+    <dgm:cxn modelId="{327D35D9-8AD4-2742-A213-2073CDDC6587}" type="presOf" srcId="{10FFF7CE-2BCF-C148-949B-0FAF0DAD97AA}" destId="{276AE207-F6BE-884E-8A30-2C04B02D3BF1}" srcOrd="0" destOrd="0" presId="urn:microsoft.com/office/officeart/2005/8/layout/process5"/>
+    <dgm:cxn modelId="{CD169D9C-A6EF-F043-A795-3BD05FD94D18}" type="presOf" srcId="{194CA865-2496-724E-963B-B03058E57857}" destId="{82A1B593-AA07-FD4C-9D40-90D916572E24}" srcOrd="0" destOrd="0" presId="urn:microsoft.com/office/officeart/2005/8/layout/process5"/>
     <dgm:cxn modelId="{37D43335-2BDF-6F43-9B21-F8D3C38B037F}" type="presOf" srcId="{C61FD49E-4016-B540-890A-B9DD3C4CAEFC}" destId="{5AF6E921-B27B-AD46-BAF4-57FF3C7B6F6F}" srcOrd="0" destOrd="0" presId="urn:microsoft.com/office/officeart/2005/8/layout/process5"/>
-    <dgm:cxn modelId="{3A12E236-8D6B-8845-A58B-7A440676BCD4}" srcId="{10FFF7CE-2BCF-C148-949B-0FAF0DAD97AA}" destId="{D735D768-D29C-964B-BFD8-7EB3F824FD3F}" srcOrd="1" destOrd="0" parTransId="{309397BE-D476-D644-AA3D-214C3A4FE062}" sibTransId="{58C1B60A-0535-D743-BD7B-9FB8FA19DE32}"/>
-    <dgm:cxn modelId="{2700903A-ECBD-CC4E-B8DE-77B0B96E958F}" type="presOf" srcId="{D735D768-D29C-964B-BFD8-7EB3F824FD3F}" destId="{55E31240-2723-FA44-BC34-9330C946D4B4}" srcOrd="0" destOrd="0" presId="urn:microsoft.com/office/officeart/2005/8/layout/process5"/>
-    <dgm:cxn modelId="{37CF1B5C-0AF7-E84C-BF6B-8DB63456464B}" type="presOf" srcId="{4B5F23E5-CE8D-2440-A966-79104F941168}" destId="{48300AEE-3656-954D-ADEA-B099BA3F476E}" srcOrd="0" destOrd="0" presId="urn:microsoft.com/office/officeart/2005/8/layout/process5"/>
-    <dgm:cxn modelId="{258A526D-2B99-A24F-9E50-3CD1E94E021B}" srcId="{10FFF7CE-2BCF-C148-949B-0FAF0DAD97AA}" destId="{DA263650-79F9-6544-A752-0CF99A2B4257}" srcOrd="4" destOrd="0" parTransId="{5D93D232-02C2-6F4F-9E93-A91EE2BD0E69}" sibTransId="{194CA865-2496-724E-963B-B03058E57857}"/>
-    <dgm:cxn modelId="{06A56380-2B89-D740-A803-A23985CEA75A}" srcId="{10FFF7CE-2BCF-C148-949B-0FAF0DAD97AA}" destId="{C61FD49E-4016-B540-890A-B9DD3C4CAEFC}" srcOrd="0" destOrd="0" parTransId="{F42F14E0-A406-884A-9B92-F2FE477E8461}" sibTransId="{2CC926CB-D1CC-4A4D-8E4C-9319F5E1944C}"/>
-    <dgm:cxn modelId="{E70D7485-93FE-374D-9E8D-25EDA904F079}" srcId="{10FFF7CE-2BCF-C148-949B-0FAF0DAD97AA}" destId="{961F7DB5-9242-3442-A3D9-ED85AC26E626}" srcOrd="2" destOrd="0" parTransId="{2CFE1E88-7051-6F40-9AEB-6CD080174FCF}" sibTransId="{4B5F23E5-CE8D-2440-A966-79104F941168}"/>
-    <dgm:cxn modelId="{2541FF8E-21F5-B748-9181-D6734558AB0D}" type="presOf" srcId="{4B5F23E5-CE8D-2440-A966-79104F941168}" destId="{CE66C1F3-045D-834D-B802-5CE1B81D7553}" srcOrd="1" destOrd="0" presId="urn:microsoft.com/office/officeart/2005/8/layout/process5"/>
-    <dgm:cxn modelId="{CD169D9C-A6EF-F043-A795-3BD05FD94D18}" type="presOf" srcId="{194CA865-2496-724E-963B-B03058E57857}" destId="{82A1B593-AA07-FD4C-9D40-90D916572E24}" srcOrd="0" destOrd="0" presId="urn:microsoft.com/office/officeart/2005/8/layout/process5"/>
-    <dgm:cxn modelId="{F9659DA5-E18E-E140-ADD9-1B910670FF1C}" type="presOf" srcId="{B04A7DC2-3CA3-A244-AB51-53F302ABDFB1}" destId="{8D56218D-E590-5345-AC3E-27D720AD3BFA}" srcOrd="0" destOrd="0" presId="urn:microsoft.com/office/officeart/2005/8/layout/process5"/>
-    <dgm:cxn modelId="{D84D95AD-A7D1-9C48-904D-24B714D584AE}" srcId="{10FFF7CE-2BCF-C148-949B-0FAF0DAD97AA}" destId="{B04A7DC2-3CA3-A244-AB51-53F302ABDFB1}" srcOrd="5" destOrd="0" parTransId="{24F98766-9BB8-4646-A023-81BC4A319975}" sibTransId="{8B4C928B-E485-6C4C-AE16-ED7AE3C042F4}"/>
-    <dgm:cxn modelId="{74E1B0B5-E64E-4849-A47F-5F494F178AF1}" type="presOf" srcId="{961F7DB5-9242-3442-A3D9-ED85AC26E626}" destId="{FCBCDB67-5FA6-E24C-871C-2651823E918B}" srcOrd="0" destOrd="0" presId="urn:microsoft.com/office/officeart/2005/8/layout/process5"/>
-    <dgm:cxn modelId="{A09318B9-9442-2B4F-84E9-22EA503582BE}" type="presOf" srcId="{DA263650-79F9-6544-A752-0CF99A2B4257}" destId="{4C0D1463-3207-3941-A057-5F4869F0811B}" srcOrd="0" destOrd="0" presId="urn:microsoft.com/office/officeart/2005/8/layout/process5"/>
+    <dgm:cxn modelId="{6C1EE3C1-156C-2542-AA5D-7F3930C76D91}" type="presOf" srcId="{2CC926CB-D1CC-4A4D-8E4C-9319F5E1944C}" destId="{00D0904F-F387-3645-97F8-595C14055D1D}" srcOrd="0" destOrd="0" presId="urn:microsoft.com/office/officeart/2005/8/layout/process5"/>
     <dgm:cxn modelId="{0F3A01BB-33B1-9544-8275-CDDFF71B8EA4}" type="presOf" srcId="{DEC5D76B-3363-824F-81C9-0FF8EB264524}" destId="{C3A95163-87AA-FE47-BDAF-07209D0F8629}" srcOrd="0" destOrd="0" presId="urn:microsoft.com/office/officeart/2005/8/layout/process5"/>
-    <dgm:cxn modelId="{6C1EE3C1-156C-2542-AA5D-7F3930C76D91}" type="presOf" srcId="{2CC926CB-D1CC-4A4D-8E4C-9319F5E1944C}" destId="{00D0904F-F387-3645-97F8-595C14055D1D}" srcOrd="0" destOrd="0" presId="urn:microsoft.com/office/officeart/2005/8/layout/process5"/>
-    <dgm:cxn modelId="{A63A3DC2-DA10-794E-88AA-097E7C40E468}" srcId="{10FFF7CE-2BCF-C148-949B-0FAF0DAD97AA}" destId="{DEC5D76B-3363-824F-81C9-0FF8EB264524}" srcOrd="3" destOrd="0" parTransId="{B5F75FEC-7CFA-6E4E-8A34-3CDF46B608D8}" sibTransId="{9E5BBEAA-C457-7B40-A008-5EF9EE0CFB31}"/>
-    <dgm:cxn modelId="{E47271CA-CBBA-0C4A-9BC8-3B73BC21E801}" type="presOf" srcId="{58C1B60A-0535-D743-BD7B-9FB8FA19DE32}" destId="{A3E80121-5B2B-4042-88D9-21EBE3A87682}" srcOrd="0" destOrd="0" presId="urn:microsoft.com/office/officeart/2005/8/layout/process5"/>
-    <dgm:cxn modelId="{327D35D9-8AD4-2742-A213-2073CDDC6587}" type="presOf" srcId="{10FFF7CE-2BCF-C148-949B-0FAF0DAD97AA}" destId="{276AE207-F6BE-884E-8A30-2C04B02D3BF1}" srcOrd="0" destOrd="0" presId="urn:microsoft.com/office/officeart/2005/8/layout/process5"/>
-    <dgm:cxn modelId="{34784BE6-12BA-7C4E-B001-801B50EC59ED}" type="presOf" srcId="{58C1B60A-0535-D743-BD7B-9FB8FA19DE32}" destId="{3ACB1B5F-3396-A440-B7B5-671662B035D0}" srcOrd="1" destOrd="0" presId="urn:microsoft.com/office/officeart/2005/8/layout/process5"/>
-    <dgm:cxn modelId="{1AB5D8EF-22F9-AE43-B124-08565CC2F3AB}" type="presOf" srcId="{9E5BBEAA-C457-7B40-A008-5EF9EE0CFB31}" destId="{8813CF35-5557-B34F-A3FE-5BC999129080}" srcOrd="0" destOrd="0" presId="urn:microsoft.com/office/officeart/2005/8/layout/process5"/>
-    <dgm:cxn modelId="{687331FD-6D27-7540-9CD0-361B400DFC67}" type="presOf" srcId="{194CA865-2496-724E-963B-B03058E57857}" destId="{B6BFFA8D-ADB7-7044-A704-A26098D64610}" srcOrd="1" destOrd="0" presId="urn:microsoft.com/office/officeart/2005/8/layout/process5"/>
     <dgm:cxn modelId="{9F057208-7BB9-1D4D-BCCB-CB8EF5A84BB7}" type="presParOf" srcId="{276AE207-F6BE-884E-8A30-2C04B02D3BF1}" destId="{5AF6E921-B27B-AD46-BAF4-57FF3C7B6F6F}" srcOrd="0" destOrd="0" presId="urn:microsoft.com/office/officeart/2005/8/layout/process5"/>
     <dgm:cxn modelId="{B27AF8CB-2A43-8247-92DF-777867366F4C}" type="presParOf" srcId="{276AE207-F6BE-884E-8A30-2C04B02D3BF1}" destId="{00D0904F-F387-3645-97F8-595C14055D1D}" srcOrd="1" destOrd="0" presId="urn:microsoft.com/office/officeart/2005/8/layout/process5"/>
     <dgm:cxn modelId="{F29BF58E-20CF-CB44-8AF0-C65D519DA74B}" type="presParOf" srcId="{00D0904F-F387-3645-97F8-595C14055D1D}" destId="{D798B5E6-7301-A74F-BAFA-138AFB665563}" srcOrd="0" destOrd="0" presId="urn:microsoft.com/office/officeart/2005/8/layout/process5"/>
@@ -3044,6 +3163,13 @@
         </dgm:presLayoutVars>
       </dgm:prSet>
       <dgm:spPr/>
+      <dgm:t>
+        <a:bodyPr/>
+        <a:lstStyle/>
+        <a:p>
+          <a:endParaRPr lang="en-US"/>
+        </a:p>
+      </dgm:t>
     </dgm:pt>
     <dgm:pt modelId="{D6C47361-A53C-FB4D-AD6C-8D459217D7C5}" type="pres">
       <dgm:prSet presAssocID="{3C18B756-1ACA-7C44-B751-1DA66FDE760A}" presName="boxAndChildren" presStyleCnt="0"/>
@@ -3052,6 +3178,13 @@
     <dgm:pt modelId="{D2C01436-CBBF-CD4B-82BD-15D4D12C3A1E}" type="pres">
       <dgm:prSet presAssocID="{3C18B756-1ACA-7C44-B751-1DA66FDE760A}" presName="parentTextBox" presStyleLbl="node1" presStyleIdx="0" presStyleCnt="4"/>
       <dgm:spPr/>
+      <dgm:t>
+        <a:bodyPr/>
+        <a:lstStyle/>
+        <a:p>
+          <a:endParaRPr lang="en-US"/>
+        </a:p>
+      </dgm:t>
     </dgm:pt>
     <dgm:pt modelId="{727F2C5D-5B1C-9E48-8ADD-152F487EAEBC}" type="pres">
       <dgm:prSet presAssocID="{EA3B5CB8-B4DD-544F-9F92-09EC28363562}" presName="sp" presStyleCnt="0"/>
@@ -3064,6 +3197,13 @@
     <dgm:pt modelId="{94D74EBE-1FED-084E-9916-E66934D13E15}" type="pres">
       <dgm:prSet presAssocID="{F8DD3C9D-D6BD-4346-8B2C-F3D727C0D9A0}" presName="parentTextArrow" presStyleLbl="node1" presStyleIdx="1" presStyleCnt="4"/>
       <dgm:spPr/>
+      <dgm:t>
+        <a:bodyPr/>
+        <a:lstStyle/>
+        <a:p>
+          <a:endParaRPr lang="en-US"/>
+        </a:p>
+      </dgm:t>
     </dgm:pt>
     <dgm:pt modelId="{1DBCFC28-542E-A545-90D9-72935EF337C1}" type="pres">
       <dgm:prSet presAssocID="{C00E7CBF-3A94-D24F-A3D7-D69C671BCCAA}" presName="sp" presStyleCnt="0"/>
@@ -3076,6 +3216,13 @@
     <dgm:pt modelId="{43E5F443-59DE-8448-860A-65B9ADEDC166}" type="pres">
       <dgm:prSet presAssocID="{EF9887E9-6FE8-9648-9F63-48AA45DA6AFA}" presName="parentTextArrow" presStyleLbl="node1" presStyleIdx="2" presStyleCnt="4"/>
       <dgm:spPr/>
+      <dgm:t>
+        <a:bodyPr/>
+        <a:lstStyle/>
+        <a:p>
+          <a:endParaRPr lang="en-US"/>
+        </a:p>
+      </dgm:t>
     </dgm:pt>
     <dgm:pt modelId="{6D76F425-9A92-6B49-A490-3EF5D37369FF}" type="pres">
       <dgm:prSet presAssocID="{33E3E604-A573-3143-81B9-CF11C27B6D56}" presName="sp" presStyleCnt="0"/>
@@ -3088,18 +3235,25 @@
     <dgm:pt modelId="{6454BB0D-E947-0B4C-B6F4-8A9E3A16D035}" type="pres">
       <dgm:prSet presAssocID="{0B24B3EB-433A-D940-AFF2-25B43782FB72}" presName="parentTextArrow" presStyleLbl="node1" presStyleIdx="3" presStyleCnt="4"/>
       <dgm:spPr/>
+      <dgm:t>
+        <a:bodyPr/>
+        <a:lstStyle/>
+        <a:p>
+          <a:endParaRPr lang="en-US"/>
+        </a:p>
+      </dgm:t>
     </dgm:pt>
   </dgm:ptLst>
   <dgm:cxnLst>
+    <dgm:cxn modelId="{79AF1409-6B6E-AE48-8334-486B1824D08D}" type="presOf" srcId="{EF9887E9-6FE8-9648-9F63-48AA45DA6AFA}" destId="{43E5F443-59DE-8448-860A-65B9ADEDC166}" srcOrd="0" destOrd="0" presId="urn:microsoft.com/office/officeart/2005/8/layout/process4"/>
+    <dgm:cxn modelId="{348819E5-E27E-E04F-9D94-1BE8FFDD1F93}" srcId="{0DC32CFF-5281-A44D-BA60-7FC0A41D0768}" destId="{0B24B3EB-433A-D940-AFF2-25B43782FB72}" srcOrd="0" destOrd="0" parTransId="{4CCEC123-E5EF-0F44-9D61-A8DDBADDFD3F}" sibTransId="{33E3E604-A573-3143-81B9-CF11C27B6D56}"/>
+    <dgm:cxn modelId="{2408D2D5-12FD-8040-8CD1-7CFC545CBE91}" type="presOf" srcId="{0B24B3EB-433A-D940-AFF2-25B43782FB72}" destId="{6454BB0D-E947-0B4C-B6F4-8A9E3A16D035}" srcOrd="0" destOrd="0" presId="urn:microsoft.com/office/officeart/2005/8/layout/process4"/>
+    <dgm:cxn modelId="{8E975879-8202-F044-98DB-A5AE9E7D5864}" type="presOf" srcId="{0DC32CFF-5281-A44D-BA60-7FC0A41D0768}" destId="{6736D57E-F886-7749-B46F-254A240BDE75}" srcOrd="0" destOrd="0" presId="urn:microsoft.com/office/officeart/2005/8/layout/process4"/>
     <dgm:cxn modelId="{AAF53C05-65BA-9743-A5D8-F6BD53306860}" type="presOf" srcId="{3C18B756-1ACA-7C44-B751-1DA66FDE760A}" destId="{D2C01436-CBBF-CD4B-82BD-15D4D12C3A1E}" srcOrd="0" destOrd="0" presId="urn:microsoft.com/office/officeart/2005/8/layout/process4"/>
-    <dgm:cxn modelId="{79AF1409-6B6E-AE48-8334-486B1824D08D}" type="presOf" srcId="{EF9887E9-6FE8-9648-9F63-48AA45DA6AFA}" destId="{43E5F443-59DE-8448-860A-65B9ADEDC166}" srcOrd="0" destOrd="0" presId="urn:microsoft.com/office/officeart/2005/8/layout/process4"/>
-    <dgm:cxn modelId="{DAC9434E-947B-594A-B71A-3BCEB736F075}" type="presOf" srcId="{F8DD3C9D-D6BD-4346-8B2C-F3D727C0D9A0}" destId="{94D74EBE-1FED-084E-9916-E66934D13E15}" srcOrd="0" destOrd="0" presId="urn:microsoft.com/office/officeart/2005/8/layout/process4"/>
-    <dgm:cxn modelId="{8E975879-8202-F044-98DB-A5AE9E7D5864}" type="presOf" srcId="{0DC32CFF-5281-A44D-BA60-7FC0A41D0768}" destId="{6736D57E-F886-7749-B46F-254A240BDE75}" srcOrd="0" destOrd="0" presId="urn:microsoft.com/office/officeart/2005/8/layout/process4"/>
-    <dgm:cxn modelId="{F3A08790-5F78-9F4C-8F40-A3229A63B66A}" srcId="{0DC32CFF-5281-A44D-BA60-7FC0A41D0768}" destId="{F8DD3C9D-D6BD-4346-8B2C-F3D727C0D9A0}" srcOrd="2" destOrd="0" parTransId="{ABC4651C-BDF8-3E4C-B4EB-36E740B0DB23}" sibTransId="{EA3B5CB8-B4DD-544F-9F92-09EC28363562}"/>
     <dgm:cxn modelId="{6E3858A5-BFC2-1F4D-A868-4731B2F86FEB}" srcId="{0DC32CFF-5281-A44D-BA60-7FC0A41D0768}" destId="{EF9887E9-6FE8-9648-9F63-48AA45DA6AFA}" srcOrd="1" destOrd="0" parTransId="{A6427973-7B3A-D444-9C56-048F23D5DBCC}" sibTransId="{C00E7CBF-3A94-D24F-A3D7-D69C671BCCAA}"/>
     <dgm:cxn modelId="{B19797C6-9A0B-3647-8CDB-8DF7CE87229D}" srcId="{0DC32CFF-5281-A44D-BA60-7FC0A41D0768}" destId="{3C18B756-1ACA-7C44-B751-1DA66FDE760A}" srcOrd="3" destOrd="0" parTransId="{3EACE5FD-7D45-A742-9E5D-21A880518297}" sibTransId="{746649AF-822A-1B4F-A1D5-71E8A3944E99}"/>
-    <dgm:cxn modelId="{2408D2D5-12FD-8040-8CD1-7CFC545CBE91}" type="presOf" srcId="{0B24B3EB-433A-D940-AFF2-25B43782FB72}" destId="{6454BB0D-E947-0B4C-B6F4-8A9E3A16D035}" srcOrd="0" destOrd="0" presId="urn:microsoft.com/office/officeart/2005/8/layout/process4"/>
-    <dgm:cxn modelId="{348819E5-E27E-E04F-9D94-1BE8FFDD1F93}" srcId="{0DC32CFF-5281-A44D-BA60-7FC0A41D0768}" destId="{0B24B3EB-433A-D940-AFF2-25B43782FB72}" srcOrd="0" destOrd="0" parTransId="{4CCEC123-E5EF-0F44-9D61-A8DDBADDFD3F}" sibTransId="{33E3E604-A573-3143-81B9-CF11C27B6D56}"/>
+    <dgm:cxn modelId="{F3A08790-5F78-9F4C-8F40-A3229A63B66A}" srcId="{0DC32CFF-5281-A44D-BA60-7FC0A41D0768}" destId="{F8DD3C9D-D6BD-4346-8B2C-F3D727C0D9A0}" srcOrd="2" destOrd="0" parTransId="{ABC4651C-BDF8-3E4C-B4EB-36E740B0DB23}" sibTransId="{EA3B5CB8-B4DD-544F-9F92-09EC28363562}"/>
+    <dgm:cxn modelId="{DAC9434E-947B-594A-B71A-3BCEB736F075}" type="presOf" srcId="{F8DD3C9D-D6BD-4346-8B2C-F3D727C0D9A0}" destId="{94D74EBE-1FED-084E-9916-E66934D13E15}" srcOrd="0" destOrd="0" presId="urn:microsoft.com/office/officeart/2005/8/layout/process4"/>
     <dgm:cxn modelId="{BD48FD41-D980-954B-84CD-4834FD56A4A3}" type="presParOf" srcId="{6736D57E-F886-7749-B46F-254A240BDE75}" destId="{D6C47361-A53C-FB4D-AD6C-8D459217D7C5}" srcOrd="0" destOrd="0" presId="urn:microsoft.com/office/officeart/2005/8/layout/process4"/>
     <dgm:cxn modelId="{736EB123-E068-9845-B74D-2AE7A6D4F141}" type="presParOf" srcId="{D6C47361-A53C-FB4D-AD6C-8D459217D7C5}" destId="{D2C01436-CBBF-CD4B-82BD-15D4D12C3A1E}" srcOrd="0" destOrd="0" presId="urn:microsoft.com/office/officeart/2005/8/layout/process4"/>
     <dgm:cxn modelId="{451974CE-0C31-CD40-AD1C-D16CD15BD3DD}" type="presParOf" srcId="{6736D57E-F886-7749-B46F-254A240BDE75}" destId="{727F2C5D-5B1C-9E48-8ADD-152F487EAEBC}" srcOrd="1" destOrd="0" presId="urn:microsoft.com/office/officeart/2005/8/layout/process4"/>
@@ -3186,7 +3340,7 @@
         </a:bodyPr>
         <a:lstStyle/>
         <a:p>
-          <a:pPr marL="0" lvl="0" indent="0" algn="ctr" defTabSz="1111250">
+          <a:pPr lvl="0" algn="ctr" defTabSz="1111250">
             <a:lnSpc>
               <a:spcPct val="90000"/>
             </a:lnSpc>
@@ -3196,7 +3350,6 @@
             <a:spcAft>
               <a:spcPct val="35000"/>
             </a:spcAft>
-            <a:buNone/>
           </a:pPr>
           <a:r>
             <a:rPr lang="en-US" sz="2500" b="0" i="0" kern="1200" baseline="0" dirty="0"/>
@@ -3260,7 +3413,7 @@
         </a:bodyPr>
         <a:lstStyle/>
         <a:p>
-          <a:pPr marL="0" lvl="0" indent="0" algn="ctr" defTabSz="889000">
+          <a:pPr lvl="0" algn="ctr" defTabSz="889000">
             <a:lnSpc>
               <a:spcPct val="90000"/>
             </a:lnSpc>
@@ -3270,7 +3423,6 @@
             <a:spcAft>
               <a:spcPct val="35000"/>
             </a:spcAft>
-            <a:buNone/>
           </a:pPr>
           <a:endParaRPr lang="en-US" sz="2000" kern="1200"/>
         </a:p>
@@ -3336,7 +3488,7 @@
         </a:bodyPr>
         <a:lstStyle/>
         <a:p>
-          <a:pPr marL="0" lvl="0" indent="0" algn="ctr" defTabSz="1111250">
+          <a:pPr lvl="0" algn="ctr" defTabSz="1111250">
             <a:lnSpc>
               <a:spcPct val="90000"/>
             </a:lnSpc>
@@ -3346,7 +3498,6 @@
             <a:spcAft>
               <a:spcPct val="35000"/>
             </a:spcAft>
-            <a:buNone/>
           </a:pPr>
           <a:r>
             <a:rPr lang="en-US" sz="2500" b="0" i="0" kern="1200" baseline="0" dirty="0"/>
@@ -3358,7 +3509,7 @@
                 <m:sSupPr>
                   <m:ctrlPr>
                     <a:rPr lang="en-US" sz="2500" b="1" i="1" kern="1200" smtClean="0">
-                      <a:latin typeface="Cambria Math" panose="02040503050406030204" pitchFamily="18" charset="0"/>
+                      <a:latin typeface="Cambria Math" charset="0"/>
                       <a:ea typeface="Cambria Math" charset="0"/>
                       <a:cs typeface="Cambria Math" charset="0"/>
                     </a:rPr>
@@ -3393,7 +3544,7 @@
           </a:r>
         </a:p>
         <a:p>
-          <a:pPr marL="0" lvl="0" indent="0" algn="ctr" defTabSz="1111250">
+          <a:pPr lvl="0" algn="ctr" defTabSz="1111250">
             <a:lnSpc>
               <a:spcPct val="90000"/>
             </a:lnSpc>
@@ -3403,7 +3554,6 @@
             <a:spcAft>
               <a:spcPct val="35000"/>
             </a:spcAft>
-            <a:buNone/>
           </a:pPr>
           <a:r>
             <a:rPr lang="en-US" sz="2500" b="0" i="0" kern="1200" baseline="0" dirty="0"/>
@@ -3467,7 +3617,7 @@
         </a:bodyPr>
         <a:lstStyle/>
         <a:p>
-          <a:pPr marL="0" lvl="0" indent="0" algn="ctr" defTabSz="889000">
+          <a:pPr lvl="0" algn="ctr" defTabSz="889000">
             <a:lnSpc>
               <a:spcPct val="90000"/>
             </a:lnSpc>
@@ -3477,7 +3627,6 @@
             <a:spcAft>
               <a:spcPct val="35000"/>
             </a:spcAft>
-            <a:buNone/>
           </a:pPr>
           <a:endParaRPr lang="en-US" sz="2000" kern="1200"/>
         </a:p>
@@ -3543,7 +3692,7 @@
         </a:bodyPr>
         <a:lstStyle/>
         <a:p>
-          <a:pPr marL="0" lvl="0" indent="0" algn="ctr" defTabSz="1111250">
+          <a:pPr lvl="0" algn="ctr" defTabSz="1111250">
             <a:lnSpc>
               <a:spcPct val="90000"/>
             </a:lnSpc>
@@ -3553,7 +3702,6 @@
             <a:spcAft>
               <a:spcPct val="35000"/>
             </a:spcAft>
-            <a:buNone/>
           </a:pPr>
           <a:r>
             <a:rPr lang="en-US" sz="2500" b="0" i="0" kern="1200" baseline="0" dirty="0"/>
@@ -3561,7 +3709,7 @@
           </a:r>
         </a:p>
         <a:p>
-          <a:pPr marL="0" lvl="0" indent="0" algn="ctr" defTabSz="1111250">
+          <a:pPr lvl="0" algn="ctr" defTabSz="1111250">
             <a:lnSpc>
               <a:spcPct val="90000"/>
             </a:lnSpc>
@@ -3571,7 +3719,6 @@
             <a:spcAft>
               <a:spcPct val="35000"/>
             </a:spcAft>
-            <a:buNone/>
           </a:pPr>
           <a:r>
             <a:rPr lang="en-US" sz="2500" b="0" i="0" kern="1200" baseline="0" dirty="0"/>
@@ -3635,7 +3782,7 @@
         </a:bodyPr>
         <a:lstStyle/>
         <a:p>
-          <a:pPr marL="0" lvl="0" indent="0" algn="ctr" defTabSz="889000">
+          <a:pPr lvl="0" algn="ctr" defTabSz="889000">
             <a:lnSpc>
               <a:spcPct val="90000"/>
             </a:lnSpc>
@@ -3645,7 +3792,6 @@
             <a:spcAft>
               <a:spcPct val="35000"/>
             </a:spcAft>
-            <a:buNone/>
           </a:pPr>
           <a:endParaRPr lang="en-US" sz="2000" kern="1200"/>
         </a:p>
@@ -3711,7 +3857,7 @@
         </a:bodyPr>
         <a:lstStyle/>
         <a:p>
-          <a:pPr marL="0" lvl="0" indent="0" algn="ctr" defTabSz="1111250">
+          <a:pPr lvl="0" algn="ctr" defTabSz="1111250">
             <a:lnSpc>
               <a:spcPct val="90000"/>
             </a:lnSpc>
@@ -3721,7 +3867,6 @@
             <a:spcAft>
               <a:spcPct val="35000"/>
             </a:spcAft>
-            <a:buNone/>
           </a:pPr>
           <a:r>
             <a:rPr lang="en-US" sz="2500" kern="1200" dirty="0"/>
@@ -3784,7 +3929,7 @@
         </a:bodyPr>
         <a:lstStyle/>
         <a:p>
-          <a:pPr marL="0" lvl="0" indent="0" algn="ctr" defTabSz="889000">
+          <a:pPr lvl="0" algn="ctr" defTabSz="889000">
             <a:lnSpc>
               <a:spcPct val="90000"/>
             </a:lnSpc>
@@ -3794,7 +3939,6 @@
             <a:spcAft>
               <a:spcPct val="35000"/>
             </a:spcAft>
-            <a:buNone/>
           </a:pPr>
           <a:endParaRPr lang="en-US" sz="2000" kern="1200"/>
         </a:p>
@@ -3860,7 +4004,7 @@
         </a:bodyPr>
         <a:lstStyle/>
         <a:p>
-          <a:pPr marL="0" lvl="0" indent="0" algn="ctr" defTabSz="1111250">
+          <a:pPr lvl="0" algn="ctr" defTabSz="1111250">
             <a:lnSpc>
               <a:spcPct val="90000"/>
             </a:lnSpc>
@@ -3870,7 +4014,6 @@
             <a:spcAft>
               <a:spcPct val="35000"/>
             </a:spcAft>
-            <a:buNone/>
           </a:pPr>
           <a:r>
             <a:rPr lang="en-US" sz="2500" kern="1200" dirty="0"/>
@@ -3933,7 +4076,7 @@
         </a:bodyPr>
         <a:lstStyle/>
         <a:p>
-          <a:pPr marL="0" lvl="0" indent="0" algn="ctr" defTabSz="889000">
+          <a:pPr lvl="0" algn="ctr" defTabSz="889000">
             <a:lnSpc>
               <a:spcPct val="90000"/>
             </a:lnSpc>
@@ -3943,7 +4086,6 @@
             <a:spcAft>
               <a:spcPct val="35000"/>
             </a:spcAft>
-            <a:buNone/>
           </a:pPr>
           <a:endParaRPr lang="en-US" sz="2000" kern="1200"/>
         </a:p>
@@ -4009,7 +4151,7 @@
         </a:bodyPr>
         <a:lstStyle/>
         <a:p>
-          <a:pPr marL="0" lvl="0" indent="0" algn="ctr" defTabSz="1111250">
+          <a:pPr lvl="0" algn="ctr" defTabSz="1111250">
             <a:lnSpc>
               <a:spcPct val="90000"/>
             </a:lnSpc>
@@ -4019,7 +4161,6 @@
             <a:spcAft>
               <a:spcPct val="35000"/>
             </a:spcAft>
-            <a:buNone/>
           </a:pPr>
           <a:r>
             <a:rPr lang="en-US" sz="2500" kern="1200" dirty="0"/>
@@ -4099,7 +4240,7 @@
         </a:bodyPr>
         <a:lstStyle/>
         <a:p>
-          <a:pPr marL="0" lvl="0" indent="0" algn="ctr" defTabSz="977900">
+          <a:pPr lvl="0" algn="ctr" defTabSz="977900">
             <a:lnSpc>
               <a:spcPct val="90000"/>
             </a:lnSpc>
@@ -4109,7 +4250,6 @@
             <a:spcAft>
               <a:spcPct val="35000"/>
             </a:spcAft>
-            <a:buNone/>
           </a:pPr>
           <a:r>
             <a:rPr lang="en-US" sz="2200" b="0" i="0" kern="1200" baseline="0"/>
@@ -4178,7 +4318,7 @@
         </a:bodyPr>
         <a:lstStyle/>
         <a:p>
-          <a:pPr marL="0" lvl="0" indent="0" algn="ctr" defTabSz="977900">
+          <a:pPr lvl="0" algn="ctr" defTabSz="977900">
             <a:lnSpc>
               <a:spcPct val="90000"/>
             </a:lnSpc>
@@ -4188,7 +4328,6 @@
             <a:spcAft>
               <a:spcPct val="35000"/>
             </a:spcAft>
-            <a:buNone/>
           </a:pPr>
           <a:r>
             <a:rPr lang="en-US" sz="2200" b="0" i="0" kern="1200" baseline="0"/>
@@ -4273,7 +4412,7 @@
         </a:bodyPr>
         <a:lstStyle/>
         <a:p>
-          <a:pPr marL="0" lvl="0" indent="0" algn="ctr" defTabSz="977900">
+          <a:pPr lvl="0" algn="ctr" defTabSz="977900">
             <a:lnSpc>
               <a:spcPct val="90000"/>
             </a:lnSpc>
@@ -4283,7 +4422,6 @@
             <a:spcAft>
               <a:spcPct val="35000"/>
             </a:spcAft>
-            <a:buNone/>
           </a:pPr>
           <a:r>
             <a:rPr lang="en-US" sz="2200" b="0" i="0" kern="1200" baseline="0"/>
@@ -4352,7 +4490,7 @@
         </a:bodyPr>
         <a:lstStyle/>
         <a:p>
-          <a:pPr marL="0" lvl="0" indent="0" algn="ctr" defTabSz="977900">
+          <a:pPr lvl="0" algn="ctr" defTabSz="977900">
             <a:lnSpc>
               <a:spcPct val="90000"/>
             </a:lnSpc>
@@ -4362,7 +4500,6 @@
             <a:spcAft>
               <a:spcPct val="35000"/>
             </a:spcAft>
-            <a:buNone/>
           </a:pPr>
           <a:r>
             <a:rPr lang="en-US" sz="2200" b="0" i="0" kern="1200" baseline="0"/>
@@ -8930,7 +9067,7 @@
           </a:ln>
           <a:extLst>
             <a:ext uri="{C572A759-6A51-4108-AA02-DFA0A04FC94B}">
-              <ma14:wrappingTextBoxFlag xmlns:ma14="http://schemas.microsoft.com/office/mac/drawingml/2011/main" xmlns="" val="1"/>
+              <ma14:wrappingTextBoxFlag xmlns:ma14="http://schemas.microsoft.com/office/mac/drawingml/2011/main" val="1"/>
             </a:ext>
           </a:extLst>
         </p:spPr>
@@ -8969,7 +9106,7 @@
           </a:ln>
           <a:extLst>
             <a:ext uri="{C572A759-6A51-4108-AA02-DFA0A04FC94B}">
-              <ma14:wrappingTextBoxFlag xmlns:ma14="http://schemas.microsoft.com/office/mac/drawingml/2011/main" xmlns="" val="1"/>
+              <ma14:wrappingTextBoxFlag xmlns:ma14="http://schemas.microsoft.com/office/mac/drawingml/2011/main" val="1"/>
             </a:ext>
           </a:extLst>
         </p:spPr>
@@ -10027,7 +10164,7 @@
           </a:ln>
           <a:extLst>
             <a:ext uri="{C572A759-6A51-4108-AA02-DFA0A04FC94B}">
-              <ma14:wrappingTextBoxFlag xmlns:ma14="http://schemas.microsoft.com/office/mac/drawingml/2011/main" xmlns="" val="1"/>
+              <ma14:wrappingTextBoxFlag xmlns:ma14="http://schemas.microsoft.com/office/mac/drawingml/2011/main" val="1"/>
             </a:ext>
           </a:extLst>
         </p:spPr>
@@ -10460,7 +10597,7 @@
           </a:ln>
           <a:extLst>
             <a:ext uri="{C572A759-6A51-4108-AA02-DFA0A04FC94B}">
-              <ma14:wrappingTextBoxFlag xmlns:ma14="http://schemas.microsoft.com/office/mac/drawingml/2011/main" xmlns="" val="1"/>
+              <ma14:wrappingTextBoxFlag xmlns:ma14="http://schemas.microsoft.com/office/mac/drawingml/2011/main" val="1"/>
             </a:ext>
           </a:extLst>
         </p:spPr>
@@ -10755,36 +10892,6 @@
           </a:p>
         </p:txBody>
       </p:sp>
-      <p:pic>
-        <p:nvPicPr>
-          <p:cNvPr id="5" name="Picture 4"/>
-          <p:cNvPicPr>
-            <a:picLocks noChangeAspect="1"/>
-          </p:cNvPicPr>
-          <p:nvPr/>
-        </p:nvPicPr>
-        <p:blipFill>
-          <a:blip r:embed="rId2">
-            <a:extLst>
-              <a:ext uri="{28A0092B-C50C-407E-A947-70E740481C1C}">
-                <a14:useLocalDpi xmlns:a14="http://schemas.microsoft.com/office/drawing/2010/main" val="0"/>
-              </a:ext>
-            </a:extLst>
-          </a:blip>
-          <a:stretch>
-            <a:fillRect/>
-          </a:stretch>
-        </p:blipFill>
-        <p:spPr>
-          <a:xfrm>
-            <a:off x="1461028" y="2378158"/>
-            <a:ext cx="10058400" cy="4435390"/>
-          </a:xfrm>
-          <a:prstGeom prst="rect">
-            <a:avLst/>
-          </a:prstGeom>
-        </p:spPr>
-      </p:pic>
       <p:sp>
         <p:nvSpPr>
           <p:cNvPr id="6" name="TextBox 5"/>
@@ -10914,6 +11021,36 @@
           </a:p>
         </p:txBody>
       </p:sp>
+      <p:pic>
+        <p:nvPicPr>
+          <p:cNvPr id="2" name="Picture 1"/>
+          <p:cNvPicPr>
+            <a:picLocks noChangeAspect="1"/>
+          </p:cNvPicPr>
+          <p:nvPr/>
+        </p:nvPicPr>
+        <p:blipFill>
+          <a:blip r:embed="rId2">
+            <a:extLst>
+              <a:ext uri="{28A0092B-C50C-407E-A947-70E740481C1C}">
+                <a14:useLocalDpi xmlns:a14="http://schemas.microsoft.com/office/drawing/2010/main" val="0"/>
+              </a:ext>
+            </a:extLst>
+          </a:blip>
+          <a:stretch>
+            <a:fillRect/>
+          </a:stretch>
+        </p:blipFill>
+        <p:spPr>
+          <a:xfrm>
+            <a:off x="1473200" y="2500279"/>
+            <a:ext cx="10058400" cy="4063327"/>
+          </a:xfrm>
+          <a:prstGeom prst="rect">
+            <a:avLst/>
+          </a:prstGeom>
+        </p:spPr>
+      </p:pic>
     </p:spTree>
     <p:extLst>
       <p:ext uri="{BB962C8B-B14F-4D97-AF65-F5344CB8AC3E}">
@@ -10966,7 +11103,7 @@
           </a:ln>
           <a:extLst>
             <a:ext uri="{C572A759-6A51-4108-AA02-DFA0A04FC94B}">
-              <ma14:wrappingTextBoxFlag xmlns:ma14="http://schemas.microsoft.com/office/mac/drawingml/2011/main" xmlns="" val="1"/>
+              <ma14:wrappingTextBoxFlag xmlns:ma14="http://schemas.microsoft.com/office/mac/drawingml/2011/main" val="1"/>
             </a:ext>
           </a:extLst>
         </p:spPr>
@@ -11391,7 +11528,7 @@
           <p:cNvPr id="13" name="Rectangle 12">
             <a:extLst>
               <a:ext uri="{FF2B5EF4-FFF2-40B4-BE49-F238E27FC236}">
-                <a16:creationId xmlns:a16="http://schemas.microsoft.com/office/drawing/2014/main" id="{D0067DA0-FD53-7F4E-B9AB-B25125AE8508}"/>
+                <a16:creationId xmlns:a16="http://schemas.microsoft.com/office/drawing/2014/main" xmlns="" id="{D0067DA0-FD53-7F4E-B9AB-B25125AE8508}"/>
               </a:ext>
             </a:extLst>
           </p:cNvPr>
@@ -11469,8 +11606,38 @@
           </a:p>
         </p:txBody>
       </p:sp>
-      <mc:AlternateContent xmlns:mc="http://schemas.openxmlformats.org/markup-compatibility/2006">
-        <mc:Choice xmlns:a14="http://schemas.microsoft.com/office/drawing/2010/main" Requires="a14">
+      <mc:AlternateContent xmlns:mc="http://schemas.openxmlformats.org/markup-compatibility/2006" xmlns:a14="http://schemas.microsoft.com/office/drawing/2010/main">
+        <mc:Choice Requires="a14">
+          <p:graphicFrame>
+            <p:nvGraphicFramePr>
+              <p:cNvPr id="6" name="Diagram 5">
+                <a:extLst>
+                  <a:ext uri="{FF2B5EF4-FFF2-40B4-BE49-F238E27FC236}">
+                    <a16:creationId xmlns:a16="http://schemas.microsoft.com/office/drawing/2014/main" xmlns="" id="{545728AE-A1E9-E84A-9E4D-5E96CD8AC2C8}"/>
+                  </a:ext>
+                </a:extLst>
+              </p:cNvPr>
+              <p:cNvGraphicFramePr/>
+              <p:nvPr>
+                <p:extLst>
+                  <p:ext uri="{D42A27DB-BD31-4B8C-83A1-F6EECF244321}">
+                    <p14:modId xmlns:p14="http://schemas.microsoft.com/office/powerpoint/2010/main" val="317891871"/>
+                  </p:ext>
+                </p:extLst>
+              </p:nvPr>
+            </p:nvGraphicFramePr>
+            <p:xfrm>
+              <a:off x="952500" y="2590800"/>
+              <a:ext cx="11099800" cy="6286500"/>
+            </p:xfrm>
+            <a:graphic>
+              <a:graphicData uri="http://schemas.openxmlformats.org/drawingml/2006/diagram">
+                <dgm:relIds xmlns:dgm="http://schemas.openxmlformats.org/drawingml/2006/diagram" xmlns:r="http://schemas.openxmlformats.org/officeDocument/2006/relationships" r:dm="rId2" r:lo="rId3" r:qs="rId4" r:cs="rId5"/>
+              </a:graphicData>
+            </a:graphic>
+          </p:graphicFrame>
+        </mc:Choice>
+        <mc:Fallback xmlns="">
           <p:graphicFrame>
             <p:nvGraphicFramePr>
               <p:cNvPr id="6" name="Diagram 5">
@@ -11495,37 +11662,7 @@
             </p:xfrm>
             <a:graphic>
               <a:graphicData uri="http://schemas.openxmlformats.org/drawingml/2006/diagram">
-                <dgm:relIds xmlns:dgm="http://schemas.openxmlformats.org/drawingml/2006/diagram" xmlns:r="http://schemas.openxmlformats.org/officeDocument/2006/relationships" r:dm="rId2" r:lo="rId3" r:qs="rId4" r:cs="rId5"/>
-              </a:graphicData>
-            </a:graphic>
-          </p:graphicFrame>
-        </mc:Choice>
-        <mc:Fallback>
-          <p:graphicFrame>
-            <p:nvGraphicFramePr>
-              <p:cNvPr id="6" name="Diagram 5">
-                <a:extLst>
-                  <a:ext uri="{FF2B5EF4-FFF2-40B4-BE49-F238E27FC236}">
-                    <a16:creationId xmlns:a16="http://schemas.microsoft.com/office/drawing/2014/main" id="{545728AE-A1E9-E84A-9E4D-5E96CD8AC2C8}"/>
-                  </a:ext>
-                </a:extLst>
-              </p:cNvPr>
-              <p:cNvGraphicFramePr/>
-              <p:nvPr>
-                <p:extLst>
-                  <p:ext uri="{D42A27DB-BD31-4B8C-83A1-F6EECF244321}">
-                    <p14:modId xmlns:p14="http://schemas.microsoft.com/office/powerpoint/2010/main" val="317891871"/>
-                  </p:ext>
-                </p:extLst>
-              </p:nvPr>
-            </p:nvGraphicFramePr>
-            <p:xfrm>
-              <a:off x="952500" y="2590800"/>
-              <a:ext cx="11099800" cy="6286500"/>
-            </p:xfrm>
-            <a:graphic>
-              <a:graphicData uri="http://schemas.openxmlformats.org/drawingml/2006/diagram">
-                <dgm:relIds xmlns:dgm="http://schemas.openxmlformats.org/drawingml/2006/diagram" xmlns:r="http://schemas.openxmlformats.org/officeDocument/2006/relationships" r:dm="rId7" r:lo="rId3" r:qs="rId4" r:cs="rId5"/>
+                <dgm:relIds xmlns:dgm="http://schemas.openxmlformats.org/drawingml/2006/diagram" xmlns:r="http://schemas.openxmlformats.org/officeDocument/2006/relationships" r:dm="rId7" r:lo="rId8" r:qs="rId9" r:cs="rId10"/>
               </a:graphicData>
             </a:graphic>
           </p:graphicFrame>
@@ -11536,7 +11673,7 @@
           <p:cNvPr id="5" name="Title 1">
             <a:extLst>
               <a:ext uri="{FF2B5EF4-FFF2-40B4-BE49-F238E27FC236}">
-                <a16:creationId xmlns:a16="http://schemas.microsoft.com/office/drawing/2014/main" id="{723F73D7-94BA-D349-B8A6-66EC2012A0AF}"/>
+                <a16:creationId xmlns:a16="http://schemas.microsoft.com/office/drawing/2014/main" xmlns="" id="{723F73D7-94BA-D349-B8A6-66EC2012A0AF}"/>
               </a:ext>
             </a:extLst>
           </p:cNvPr>
@@ -11556,7 +11693,7 @@
           </a:ln>
           <a:extLst>
             <a:ext uri="{C572A759-6A51-4108-AA02-DFA0A04FC94B}">
-              <ma14:wrappingTextBoxFlag xmlns:ma14="http://schemas.microsoft.com/office/mac/drawingml/2011/main" xmlns="" val="1"/>
+              <ma14:wrappingTextBoxFlag xmlns:ma14="http://schemas.microsoft.com/office/mac/drawingml/2011/main" val="1"/>
             </a:ext>
           </a:extLst>
         </p:spPr>
@@ -11848,7 +11985,7 @@
           <p:cNvPr id="10" name="Group 9">
             <a:extLst>
               <a:ext uri="{FF2B5EF4-FFF2-40B4-BE49-F238E27FC236}">
-                <a16:creationId xmlns:a16="http://schemas.microsoft.com/office/drawing/2014/main" id="{788CD22D-3046-EC43-BFBA-2CCA29259BEF}"/>
+                <a16:creationId xmlns:a16="http://schemas.microsoft.com/office/drawing/2014/main" xmlns="" id="{788CD22D-3046-EC43-BFBA-2CCA29259BEF}"/>
               </a:ext>
             </a:extLst>
           </p:cNvPr>
@@ -11868,7 +12005,7 @@
             <p:cNvPr id="11" name="Right Arrow 10">
               <a:extLst>
                 <a:ext uri="{FF2B5EF4-FFF2-40B4-BE49-F238E27FC236}">
-                  <a16:creationId xmlns:a16="http://schemas.microsoft.com/office/drawing/2014/main" id="{4B3F69FE-93EA-AE44-AD1D-745E293E7160}"/>
+                  <a16:creationId xmlns:a16="http://schemas.microsoft.com/office/drawing/2014/main" xmlns="" id="{4B3F69FE-93EA-AE44-AD1D-745E293E7160}"/>
                 </a:ext>
               </a:extLst>
             </p:cNvPr>
@@ -11932,7 +12069,7 @@
             <p:cNvPr id="12" name="Right Arrow 4">
               <a:extLst>
                 <a:ext uri="{FF2B5EF4-FFF2-40B4-BE49-F238E27FC236}">
-                  <a16:creationId xmlns:a16="http://schemas.microsoft.com/office/drawing/2014/main" id="{AAFF5045-DAE2-D745-8023-11B47253ACEC}"/>
+                  <a16:creationId xmlns:a16="http://schemas.microsoft.com/office/drawing/2014/main" xmlns="" id="{AAFF5045-DAE2-D745-8023-11B47253ACEC}"/>
                 </a:ext>
               </a:extLst>
             </p:cNvPr>
@@ -11990,7 +12127,7 @@
           <p:cNvPr id="14" name="TextBox 13">
             <a:extLst>
               <a:ext uri="{FF2B5EF4-FFF2-40B4-BE49-F238E27FC236}">
-                <a16:creationId xmlns:a16="http://schemas.microsoft.com/office/drawing/2014/main" id="{1DF5F298-0E7E-2F4A-81A7-BD4C569B96AF}"/>
+                <a16:creationId xmlns:a16="http://schemas.microsoft.com/office/drawing/2014/main" xmlns="" id="{1DF5F298-0E7E-2F4A-81A7-BD4C569B96AF}"/>
               </a:ext>
             </a:extLst>
           </p:cNvPr>
@@ -12119,7 +12256,7 @@
           </a:ln>
           <a:extLst>
             <a:ext uri="{C572A759-6A51-4108-AA02-DFA0A04FC94B}">
-              <ma14:wrappingTextBoxFlag xmlns:ma14="http://schemas.microsoft.com/office/mac/drawingml/2011/main" xmlns="" val="1"/>
+              <ma14:wrappingTextBoxFlag xmlns:ma14="http://schemas.microsoft.com/office/mac/drawingml/2011/main" val="1"/>
             </a:ext>
           </a:extLst>
         </p:spPr>
@@ -12411,7 +12548,7 @@
           <p:cNvPr id="5" name="Picture 4">
             <a:extLst>
               <a:ext uri="{FF2B5EF4-FFF2-40B4-BE49-F238E27FC236}">
-                <a16:creationId xmlns:a16="http://schemas.microsoft.com/office/drawing/2014/main" id="{78C3427D-9FB7-344A-9ED6-B1BFB92F7371}"/>
+                <a16:creationId xmlns:a16="http://schemas.microsoft.com/office/drawing/2014/main" xmlns="" id="{78C3427D-9FB7-344A-9ED6-B1BFB92F7371}"/>
               </a:ext>
             </a:extLst>
           </p:cNvPr>
@@ -12447,7 +12584,7 @@
           <p:cNvPr id="7" name="Table 6">
             <a:extLst>
               <a:ext uri="{FF2B5EF4-FFF2-40B4-BE49-F238E27FC236}">
-                <a16:creationId xmlns:a16="http://schemas.microsoft.com/office/drawing/2014/main" id="{89B948E0-6845-AF4D-AB1F-7A2FB2802D89}"/>
+                <a16:creationId xmlns:a16="http://schemas.microsoft.com/office/drawing/2014/main" xmlns="" id="{89B948E0-6845-AF4D-AB1F-7A2FB2802D89}"/>
               </a:ext>
             </a:extLst>
           </p:cNvPr>
@@ -12476,21 +12613,21 @@
                 <a:gridCol w="2026938">
                   <a:extLst>
                     <a:ext uri="{9D8B030D-6E8A-4147-A177-3AD203B41FA5}">
-                      <a16:colId xmlns:a16="http://schemas.microsoft.com/office/drawing/2014/main" val="2598288907"/>
+                      <a16:colId xmlns:a16="http://schemas.microsoft.com/office/drawing/2014/main" xmlns="" val="2598288907"/>
                     </a:ext>
                   </a:extLst>
                 </a:gridCol>
                 <a:gridCol w="2026938">
                   <a:extLst>
                     <a:ext uri="{9D8B030D-6E8A-4147-A177-3AD203B41FA5}">
-                      <a16:colId xmlns:a16="http://schemas.microsoft.com/office/drawing/2014/main" val="522738282"/>
+                      <a16:colId xmlns:a16="http://schemas.microsoft.com/office/drawing/2014/main" xmlns="" val="522738282"/>
                     </a:ext>
                   </a:extLst>
                 </a:gridCol>
                 <a:gridCol w="2026938">
                   <a:extLst>
                     <a:ext uri="{9D8B030D-6E8A-4147-A177-3AD203B41FA5}">
-                      <a16:colId xmlns:a16="http://schemas.microsoft.com/office/drawing/2014/main" val="2207412083"/>
+                      <a16:colId xmlns:a16="http://schemas.microsoft.com/office/drawing/2014/main" xmlns="" val="2207412083"/>
                     </a:ext>
                   </a:extLst>
                 </a:gridCol>
@@ -12554,7 +12691,7 @@
                 </a:tc>
                 <a:extLst>
                   <a:ext uri="{0D108BD9-81ED-4DB2-BD59-A6C34878D82A}">
-                    <a16:rowId xmlns:a16="http://schemas.microsoft.com/office/drawing/2014/main" val="2574787134"/>
+                    <a16:rowId xmlns:a16="http://schemas.microsoft.com/office/drawing/2014/main" xmlns="" val="2574787134"/>
                   </a:ext>
                 </a:extLst>
               </a:tr>
@@ -12600,7 +12737,7 @@
                 </a:tc>
                 <a:extLst>
                   <a:ext uri="{0D108BD9-81ED-4DB2-BD59-A6C34878D82A}">
-                    <a16:rowId xmlns:a16="http://schemas.microsoft.com/office/drawing/2014/main" val="1435507703"/>
+                    <a16:rowId xmlns:a16="http://schemas.microsoft.com/office/drawing/2014/main" xmlns="" val="1435507703"/>
                   </a:ext>
                 </a:extLst>
               </a:tr>
@@ -12646,7 +12783,7 @@
                 </a:tc>
                 <a:extLst>
                   <a:ext uri="{0D108BD9-81ED-4DB2-BD59-A6C34878D82A}">
-                    <a16:rowId xmlns:a16="http://schemas.microsoft.com/office/drawing/2014/main" val="2288519936"/>
+                    <a16:rowId xmlns:a16="http://schemas.microsoft.com/office/drawing/2014/main" xmlns="" val="2288519936"/>
                   </a:ext>
                 </a:extLst>
               </a:tr>
@@ -12692,7 +12829,7 @@
                 </a:tc>
                 <a:extLst>
                   <a:ext uri="{0D108BD9-81ED-4DB2-BD59-A6C34878D82A}">
-                    <a16:rowId xmlns:a16="http://schemas.microsoft.com/office/drawing/2014/main" val="4024914912"/>
+                    <a16:rowId xmlns:a16="http://schemas.microsoft.com/office/drawing/2014/main" xmlns="" val="4024914912"/>
                   </a:ext>
                 </a:extLst>
               </a:tr>
@@ -12739,7 +12876,7 @@
                 </a:tc>
                 <a:extLst>
                   <a:ext uri="{0D108BD9-81ED-4DB2-BD59-A6C34878D82A}">
-                    <a16:rowId xmlns:a16="http://schemas.microsoft.com/office/drawing/2014/main" val="1533939965"/>
+                    <a16:rowId xmlns:a16="http://schemas.microsoft.com/office/drawing/2014/main" xmlns="" val="1533939965"/>
                   </a:ext>
                 </a:extLst>
               </a:tr>
@@ -12752,7 +12889,7 @@
           <p:cNvPr id="8" name="5-Point Star 7">
             <a:extLst>
               <a:ext uri="{FF2B5EF4-FFF2-40B4-BE49-F238E27FC236}">
-                <a16:creationId xmlns:a16="http://schemas.microsoft.com/office/drawing/2014/main" id="{69FD48A5-3E69-3341-A858-C0232448E778}"/>
+                <a16:creationId xmlns:a16="http://schemas.microsoft.com/office/drawing/2014/main" xmlns="" id="{69FD48A5-3E69-3341-A858-C0232448E778}"/>
               </a:ext>
             </a:extLst>
           </p:cNvPr>
@@ -12833,7 +12970,7 @@
           <p:cNvPr id="9" name="Rectangle 8">
             <a:extLst>
               <a:ext uri="{FF2B5EF4-FFF2-40B4-BE49-F238E27FC236}">
-                <a16:creationId xmlns:a16="http://schemas.microsoft.com/office/drawing/2014/main" id="{80E9E449-31A7-D840-B1B5-864BBD5E5369}"/>
+                <a16:creationId xmlns:a16="http://schemas.microsoft.com/office/drawing/2014/main" xmlns="" id="{80E9E449-31A7-D840-B1B5-864BBD5E5369}"/>
               </a:ext>
             </a:extLst>
           </p:cNvPr>
@@ -12996,7 +13133,7 @@
           </a:ln>
           <a:extLst>
             <a:ext uri="{C572A759-6A51-4108-AA02-DFA0A04FC94B}">
-              <ma14:wrappingTextBoxFlag xmlns:ma14="http://schemas.microsoft.com/office/mac/drawingml/2011/main" xmlns="" val="1"/>
+              <ma14:wrappingTextBoxFlag xmlns:ma14="http://schemas.microsoft.com/office/mac/drawingml/2011/main" val="1"/>
             </a:ext>
           </a:extLst>
         </p:spPr>
@@ -13288,7 +13425,7 @@
           <p:cNvPr id="7" name="Table 6">
             <a:extLst>
               <a:ext uri="{FF2B5EF4-FFF2-40B4-BE49-F238E27FC236}">
-                <a16:creationId xmlns:a16="http://schemas.microsoft.com/office/drawing/2014/main" id="{89B948E0-6845-AF4D-AB1F-7A2FB2802D89}"/>
+                <a16:creationId xmlns:a16="http://schemas.microsoft.com/office/drawing/2014/main" xmlns="" id="{89B948E0-6845-AF4D-AB1F-7A2FB2802D89}"/>
               </a:ext>
             </a:extLst>
           </p:cNvPr>
@@ -13317,21 +13454,21 @@
                 <a:gridCol w="3997446">
                   <a:extLst>
                     <a:ext uri="{9D8B030D-6E8A-4147-A177-3AD203B41FA5}">
-                      <a16:colId xmlns:a16="http://schemas.microsoft.com/office/drawing/2014/main" val="2598288907"/>
+                      <a16:colId xmlns:a16="http://schemas.microsoft.com/office/drawing/2014/main" xmlns="" val="2598288907"/>
                     </a:ext>
                   </a:extLst>
                 </a:gridCol>
                 <a:gridCol w="1245607">
                   <a:extLst>
                     <a:ext uri="{9D8B030D-6E8A-4147-A177-3AD203B41FA5}">
-                      <a16:colId xmlns:a16="http://schemas.microsoft.com/office/drawing/2014/main" val="522738282"/>
+                      <a16:colId xmlns:a16="http://schemas.microsoft.com/office/drawing/2014/main" xmlns="" val="522738282"/>
                     </a:ext>
                   </a:extLst>
                 </a:gridCol>
                 <a:gridCol w="1217382">
                   <a:extLst>
                     <a:ext uri="{9D8B030D-6E8A-4147-A177-3AD203B41FA5}">
-                      <a16:colId xmlns:a16="http://schemas.microsoft.com/office/drawing/2014/main" val="2207412083"/>
+                      <a16:colId xmlns:a16="http://schemas.microsoft.com/office/drawing/2014/main" xmlns="" val="2207412083"/>
                     </a:ext>
                   </a:extLst>
                 </a:gridCol>
@@ -13521,7 +13658,7 @@
                 </a:tc>
                 <a:extLst>
                   <a:ext uri="{0D108BD9-81ED-4DB2-BD59-A6C34878D82A}">
-                    <a16:rowId xmlns:a16="http://schemas.microsoft.com/office/drawing/2014/main" val="2574787134"/>
+                    <a16:rowId xmlns:a16="http://schemas.microsoft.com/office/drawing/2014/main" xmlns="" val="2574787134"/>
                   </a:ext>
                 </a:extLst>
               </a:tr>
@@ -13678,7 +13815,7 @@
                 </a:tc>
                 <a:extLst>
                   <a:ext uri="{0D108BD9-81ED-4DB2-BD59-A6C34878D82A}">
-                    <a16:rowId xmlns:a16="http://schemas.microsoft.com/office/drawing/2014/main" val="1435507703"/>
+                    <a16:rowId xmlns:a16="http://schemas.microsoft.com/office/drawing/2014/main" xmlns="" val="1435507703"/>
                   </a:ext>
                 </a:extLst>
               </a:tr>
@@ -13854,7 +13991,7 @@
                 </a:tc>
                 <a:extLst>
                   <a:ext uri="{0D108BD9-81ED-4DB2-BD59-A6C34878D82A}">
-                    <a16:rowId xmlns:a16="http://schemas.microsoft.com/office/drawing/2014/main" val="2288519936"/>
+                    <a16:rowId xmlns:a16="http://schemas.microsoft.com/office/drawing/2014/main" xmlns="" val="2288519936"/>
                   </a:ext>
                 </a:extLst>
               </a:tr>
@@ -14019,7 +14156,7 @@
                 </a:tc>
                 <a:extLst>
                   <a:ext uri="{0D108BD9-81ED-4DB2-BD59-A6C34878D82A}">
-                    <a16:rowId xmlns:a16="http://schemas.microsoft.com/office/drawing/2014/main" val="4024914912"/>
+                    <a16:rowId xmlns:a16="http://schemas.microsoft.com/office/drawing/2014/main" xmlns="" val="4024914912"/>
                   </a:ext>
                 </a:extLst>
               </a:tr>
@@ -14176,7 +14313,7 @@
                 </a:tc>
                 <a:extLst>
                   <a:ext uri="{0D108BD9-81ED-4DB2-BD59-A6C34878D82A}">
-                    <a16:rowId xmlns:a16="http://schemas.microsoft.com/office/drawing/2014/main" val="1533939965"/>
+                    <a16:rowId xmlns:a16="http://schemas.microsoft.com/office/drawing/2014/main" xmlns="" val="1533939965"/>
                   </a:ext>
                 </a:extLst>
               </a:tr>
@@ -14341,7 +14478,7 @@
                 </a:tc>
                 <a:extLst>
                   <a:ext uri="{0D108BD9-81ED-4DB2-BD59-A6C34878D82A}">
-                    <a16:rowId xmlns:a16="http://schemas.microsoft.com/office/drawing/2014/main" val="4173773365"/>
+                    <a16:rowId xmlns:a16="http://schemas.microsoft.com/office/drawing/2014/main" xmlns="" val="4173773365"/>
                   </a:ext>
                 </a:extLst>
               </a:tr>
@@ -14498,7 +14635,7 @@
                 </a:tc>
                 <a:extLst>
                   <a:ext uri="{0D108BD9-81ED-4DB2-BD59-A6C34878D82A}">
-                    <a16:rowId xmlns:a16="http://schemas.microsoft.com/office/drawing/2014/main" val="3767925231"/>
+                    <a16:rowId xmlns:a16="http://schemas.microsoft.com/office/drawing/2014/main" xmlns="" val="3767925231"/>
                   </a:ext>
                 </a:extLst>
               </a:tr>
@@ -14655,7 +14792,7 @@
                 </a:tc>
                 <a:extLst>
                   <a:ext uri="{0D108BD9-81ED-4DB2-BD59-A6C34878D82A}">
-                    <a16:rowId xmlns:a16="http://schemas.microsoft.com/office/drawing/2014/main" val="1657861448"/>
+                    <a16:rowId xmlns:a16="http://schemas.microsoft.com/office/drawing/2014/main" xmlns="" val="1657861448"/>
                   </a:ext>
                 </a:extLst>
               </a:tr>
@@ -14668,7 +14805,7 @@
           <p:cNvPr id="11" name="Diagram 10">
             <a:extLst>
               <a:ext uri="{FF2B5EF4-FFF2-40B4-BE49-F238E27FC236}">
-                <a16:creationId xmlns:a16="http://schemas.microsoft.com/office/drawing/2014/main" id="{CD28DA00-08F9-1C41-A52A-350D9748485F}"/>
+                <a16:creationId xmlns:a16="http://schemas.microsoft.com/office/drawing/2014/main" xmlns="" id="{CD28DA00-08F9-1C41-A52A-350D9748485F}"/>
               </a:ext>
             </a:extLst>
           </p:cNvPr>
@@ -14727,7 +14864,7 @@
           <p:cNvPr id="3" name="Text Placeholder 2">
             <a:extLst>
               <a:ext uri="{FF2B5EF4-FFF2-40B4-BE49-F238E27FC236}">
-                <a16:creationId xmlns:a16="http://schemas.microsoft.com/office/drawing/2014/main" id="{8A9F0164-2B21-844F-AD9A-276D25D76F00}"/>
+                <a16:creationId xmlns:a16="http://schemas.microsoft.com/office/drawing/2014/main" xmlns="" id="{8A9F0164-2B21-844F-AD9A-276D25D76F00}"/>
               </a:ext>
             </a:extLst>
           </p:cNvPr>
@@ -14876,7 +15013,7 @@
           <p:cNvPr id="4" name="Title 1">
             <a:extLst>
               <a:ext uri="{FF2B5EF4-FFF2-40B4-BE49-F238E27FC236}">
-                <a16:creationId xmlns:a16="http://schemas.microsoft.com/office/drawing/2014/main" id="{E3355A30-B184-374F-8A86-6F2D1967D4EE}"/>
+                <a16:creationId xmlns:a16="http://schemas.microsoft.com/office/drawing/2014/main" xmlns="" id="{E3355A30-B184-374F-8A86-6F2D1967D4EE}"/>
               </a:ext>
             </a:extLst>
           </p:cNvPr>
@@ -14896,7 +15033,7 @@
           </a:ln>
           <a:extLst>
             <a:ext uri="{C572A759-6A51-4108-AA02-DFA0A04FC94B}">
-              <ma14:wrappingTextBoxFlag xmlns:ma14="http://schemas.microsoft.com/office/mac/drawingml/2011/main" xmlns="" val="1"/>
+              <ma14:wrappingTextBoxFlag xmlns:ma14="http://schemas.microsoft.com/office/mac/drawingml/2011/main" val="1"/>
             </a:ext>
           </a:extLst>
         </p:spPr>
@@ -15219,7 +15356,7 @@
           <p:cNvPr id="2" name="Title 1">
             <a:extLst>
               <a:ext uri="{FF2B5EF4-FFF2-40B4-BE49-F238E27FC236}">
-                <a16:creationId xmlns:a16="http://schemas.microsoft.com/office/drawing/2014/main" id="{925D99AB-7BAE-9C4D-AD59-0689508C9ADB}"/>
+                <a16:creationId xmlns:a16="http://schemas.microsoft.com/office/drawing/2014/main" xmlns="" id="{925D99AB-7BAE-9C4D-AD59-0689508C9ADB}"/>
               </a:ext>
             </a:extLst>
           </p:cNvPr>
@@ -15247,7 +15384,7 @@
           <p:cNvPr id="3" name="Text Placeholder 2">
             <a:extLst>
               <a:ext uri="{FF2B5EF4-FFF2-40B4-BE49-F238E27FC236}">
-                <a16:creationId xmlns:a16="http://schemas.microsoft.com/office/drawing/2014/main" id="{174007A3-0E33-634F-AF6A-A78C5D419909}"/>
+                <a16:creationId xmlns:a16="http://schemas.microsoft.com/office/drawing/2014/main" xmlns="" id="{174007A3-0E33-634F-AF6A-A78C5D419909}"/>
               </a:ext>
             </a:extLst>
           </p:cNvPr>
@@ -16394,7 +16531,7 @@
           </a:ln>
           <a:extLst>
             <a:ext uri="{C572A759-6A51-4108-AA02-DFA0A04FC94B}">
-              <ma14:wrappingTextBoxFlag xmlns:ma14="http://schemas.microsoft.com/office/mac/drawingml/2011/main" xmlns="" val="1"/>
+              <ma14:wrappingTextBoxFlag xmlns:ma14="http://schemas.microsoft.com/office/mac/drawingml/2011/main" val="1"/>
             </a:ext>
           </a:extLst>
         </p:spPr>
@@ -16844,7 +16981,7 @@
           </a:ln>
           <a:extLst>
             <a:ext uri="{C572A759-6A51-4108-AA02-DFA0A04FC94B}">
-              <ma14:wrappingTextBoxFlag xmlns:ma14="http://schemas.microsoft.com/office/mac/drawingml/2011/main" xmlns="" val="1"/>
+              <ma14:wrappingTextBoxFlag xmlns:ma14="http://schemas.microsoft.com/office/mac/drawingml/2011/main" val="1"/>
             </a:ext>
           </a:extLst>
         </p:spPr>
@@ -17284,7 +17421,7 @@
           </a:ln>
           <a:extLst>
             <a:ext uri="{C572A759-6A51-4108-AA02-DFA0A04FC94B}">
-              <ma14:wrappingTextBoxFlag xmlns:ma14="http://schemas.microsoft.com/office/mac/drawingml/2011/main" xmlns="" val="1"/>
+              <ma14:wrappingTextBoxFlag xmlns:ma14="http://schemas.microsoft.com/office/mac/drawingml/2011/main" val="1"/>
             </a:ext>
           </a:extLst>
         </p:spPr>
@@ -17976,8 +18113,8 @@
           </a:p>
         </p:txBody>
       </p:sp>
-      <mc:AlternateContent xmlns:mc="http://schemas.openxmlformats.org/markup-compatibility/2006">
-        <mc:Choice xmlns:a14="http://schemas.microsoft.com/office/drawing/2010/main" Requires="a14">
+      <mc:AlternateContent xmlns:mc="http://schemas.openxmlformats.org/markup-compatibility/2006" xmlns:a14="http://schemas.microsoft.com/office/drawing/2010/main">
+        <mc:Choice Requires="a14">
           <p:graphicFrame>
             <p:nvGraphicFramePr>
               <p:cNvPr id="11" name="Table 10"/>
@@ -18006,28 +18143,28 @@
                     <a:gridCol w="2328786">
                       <a:extLst>
                         <a:ext uri="{9D8B030D-6E8A-4147-A177-3AD203B41FA5}">
-                          <a16:colId xmlns:a16="http://schemas.microsoft.com/office/drawing/2014/main" val="20000"/>
+                          <a16:colId xmlns:a16="http://schemas.microsoft.com/office/drawing/2014/main" xmlns="" val="20000"/>
                         </a:ext>
                       </a:extLst>
                     </a:gridCol>
                     <a:gridCol w="1395132">
                       <a:extLst>
                         <a:ext uri="{9D8B030D-6E8A-4147-A177-3AD203B41FA5}">
-                          <a16:colId xmlns:a16="http://schemas.microsoft.com/office/drawing/2014/main" val="703539880"/>
+                          <a16:colId xmlns:a16="http://schemas.microsoft.com/office/drawing/2014/main" xmlns="" val="703539880"/>
                         </a:ext>
                       </a:extLst>
                     </a:gridCol>
                     <a:gridCol w="2003125">
                       <a:extLst>
                         <a:ext uri="{9D8B030D-6E8A-4147-A177-3AD203B41FA5}">
-                          <a16:colId xmlns:a16="http://schemas.microsoft.com/office/drawing/2014/main" val="20001"/>
+                          <a16:colId xmlns:a16="http://schemas.microsoft.com/office/drawing/2014/main" xmlns="" val="20001"/>
                         </a:ext>
                       </a:extLst>
                     </a:gridCol>
                     <a:gridCol w="1720793">
                       <a:extLst>
                         <a:ext uri="{9D8B030D-6E8A-4147-A177-3AD203B41FA5}">
-                          <a16:colId xmlns:a16="http://schemas.microsoft.com/office/drawing/2014/main" val="20002"/>
+                          <a16:colId xmlns:a16="http://schemas.microsoft.com/office/drawing/2014/main" xmlns="" val="20002"/>
                         </a:ext>
                       </a:extLst>
                     </a:gridCol>
@@ -18079,7 +18216,7 @@
                                 <m:sSupPr>
                                   <m:ctrlPr>
                                     <a:rPr lang="en-US" sz="2000" b="1" i="1" smtClean="0">
-                                      <a:latin typeface="Cambria Math" panose="02040503050406030204" pitchFamily="18" charset="0"/>
+                                      <a:latin typeface="Cambria Math" charset="0"/>
                                       <a:ea typeface="Cambria Math" charset="0"/>
                                       <a:cs typeface="Cambria Math" charset="0"/>
                                     </a:rPr>
@@ -18131,7 +18268,7 @@
                     </a:tc>
                     <a:extLst>
                       <a:ext uri="{0D108BD9-81ED-4DB2-BD59-A6C34878D82A}">
-                        <a16:rowId xmlns:a16="http://schemas.microsoft.com/office/drawing/2014/main" val="10000"/>
+                        <a16:rowId xmlns:a16="http://schemas.microsoft.com/office/drawing/2014/main" xmlns="" val="10000"/>
                       </a:ext>
                     </a:extLst>
                   </a:tr>
@@ -18214,7 +18351,7 @@
                     </a:tc>
                     <a:extLst>
                       <a:ext uri="{0D108BD9-81ED-4DB2-BD59-A6C34878D82A}">
-                        <a16:rowId xmlns:a16="http://schemas.microsoft.com/office/drawing/2014/main" val="10001"/>
+                        <a16:rowId xmlns:a16="http://schemas.microsoft.com/office/drawing/2014/main" xmlns="" val="10001"/>
                       </a:ext>
                     </a:extLst>
                   </a:tr>
@@ -18300,7 +18437,7 @@
                     </a:tc>
                     <a:extLst>
                       <a:ext uri="{0D108BD9-81ED-4DB2-BD59-A6C34878D82A}">
-                        <a16:rowId xmlns:a16="http://schemas.microsoft.com/office/drawing/2014/main" val="10002"/>
+                        <a16:rowId xmlns:a16="http://schemas.microsoft.com/office/drawing/2014/main" xmlns="" val="10002"/>
                       </a:ext>
                     </a:extLst>
                   </a:tr>
@@ -18383,7 +18520,7 @@
                     </a:tc>
                     <a:extLst>
                       <a:ext uri="{0D108BD9-81ED-4DB2-BD59-A6C34878D82A}">
-                        <a16:rowId xmlns:a16="http://schemas.microsoft.com/office/drawing/2014/main" val="10003"/>
+                        <a16:rowId xmlns:a16="http://schemas.microsoft.com/office/drawing/2014/main" xmlns="" val="10003"/>
                       </a:ext>
                     </a:extLst>
                   </a:tr>
@@ -18392,7 +18529,7 @@
             </a:graphic>
           </p:graphicFrame>
         </mc:Choice>
-        <mc:Fallback>
+        <mc:Fallback xmlns="">
           <p:graphicFrame>
             <p:nvGraphicFramePr>
               <p:cNvPr id="11" name="Table 10"/>
@@ -18778,7 +18915,7 @@
           <p:cNvPr id="10" name="TextBox 9">
             <a:extLst>
               <a:ext uri="{FF2B5EF4-FFF2-40B4-BE49-F238E27FC236}">
-                <a16:creationId xmlns:a16="http://schemas.microsoft.com/office/drawing/2014/main" id="{5054F26C-402D-5A41-B975-B15DD1D6E8DE}"/>
+                <a16:creationId xmlns:a16="http://schemas.microsoft.com/office/drawing/2014/main" xmlns="" id="{5054F26C-402D-5A41-B975-B15DD1D6E8DE}"/>
               </a:ext>
             </a:extLst>
           </p:cNvPr>
@@ -19014,7 +19151,7 @@
           </a:ln>
           <a:extLst>
             <a:ext uri="{C572A759-6A51-4108-AA02-DFA0A04FC94B}">
-              <ma14:wrappingTextBoxFlag xmlns:ma14="http://schemas.microsoft.com/office/mac/drawingml/2011/main" xmlns="" val="1"/>
+              <ma14:wrappingTextBoxFlag xmlns:ma14="http://schemas.microsoft.com/office/mac/drawingml/2011/main" val="1"/>
             </a:ext>
           </a:extLst>
         </p:spPr>
